--- a/Presentation/Web Presentation.pptx
+++ b/Presentation/Web Presentation.pptx
@@ -4622,14 +4622,16 @@
       </p:sp>
       <p:pic>
         <p:nvPicPr>
-          <p:cNvPr id="5123" name="Picture 3" descr="C:\Users\Aakash\Desktop\COMP397-bob\Assets\images\StartButton.png"/>
+          <p:cNvPr id="1026" name="Picture 2" descr="C:\Users\Aakash\Desktop\COMP397-bob\Assets\images\StartButton.png">
+            <a:hlinkClick r:id="rId3"/>
+          </p:cNvPr>
           <p:cNvPicPr>
             <a:picLocks noChangeAspect="1" noChangeArrowheads="1"/>
           </p:cNvPicPr>
           <p:nvPr/>
         </p:nvPicPr>
         <p:blipFill>
-          <a:blip r:embed="rId3">
+          <a:blip r:embed="rId4">
             <a:extLst>
               <a:ext uri="{28A0092B-C50C-407E-A947-70E740481C1C}">
                 <a14:useLocalDpi xmlns:a14="http://schemas.microsoft.com/office/drawing/2010/main" val="0"/>
@@ -4643,8 +4645,8 @@
         </p:blipFill>
         <p:spPr bwMode="auto">
           <a:xfrm>
-            <a:off x="2895600" y="5715000"/>
-            <a:ext cx="3429000" cy="1143000"/>
+            <a:off x="1752600" y="5029200"/>
+            <a:ext cx="3657600" cy="1219200"/>
           </a:xfrm>
           <a:prstGeom prst="rect">
             <a:avLst/>
